--- a/Documentation/Class Presentations/Are We There Yet Progress Report 3.pptx
+++ b/Documentation/Class Presentations/Are We There Yet Progress Report 3.pptx
@@ -5,13 +5,15 @@
     <p:sldMasterId id="2147483648" r:id="rId1"/>
   </p:sldMasterIdLst>
   <p:notesMasterIdLst>
-    <p:notesMasterId r:id="rId6"/>
+    <p:notesMasterId r:id="rId8"/>
   </p:notesMasterIdLst>
   <p:sldIdLst>
     <p:sldId id="256" r:id="rId2"/>
     <p:sldId id="257" r:id="rId3"/>
     <p:sldId id="258" r:id="rId4"/>
     <p:sldId id="259" r:id="rId5"/>
+    <p:sldId id="260" r:id="rId6"/>
+    <p:sldId id="261" r:id="rId7"/>
   </p:sldIdLst>
   <p:sldSz cx="12192000" cy="6858000"/>
   <p:notesSz cx="6858000" cy="9144000"/>
@@ -110,6 +112,11 @@
       </a:defRPr>
     </a:lvl9pPr>
   </p:defaultTextStyle>
+  <p:extLst>
+    <p:ext uri="{EFAFB233-063F-42B5-8137-9DF3F51BA10A}">
+      <p15:sldGuideLst xmlns:p15="http://schemas.microsoft.com/office/powerpoint/2012/main"/>
+    </p:ext>
+  </p:extLst>
 </p:presentation>
 </file>
 
@@ -195,7 +202,7 @@
           <a:p>
             <a:fld id="{6569D05B-10E3-4AB1-8C5D-CB41481DBCAD}" type="datetimeFigureOut">
               <a:rPr lang="en-US" smtClean="0"/>
-              <a:t>9/21/2014</a:t>
+              <a:t>9/23/2014</a:t>
             </a:fld>
             <a:endParaRPr lang="en-US"/>
           </a:p>
@@ -730,7 +737,7 @@
           <a:p>
             <a:fld id="{047270FD-4E0E-4F85-881A-39774D0D0028}" type="datetime1">
               <a:rPr lang="en-US" smtClean="0"/>
-              <a:t>9/21/2014</a:t>
+              <a:t>9/23/2014</a:t>
             </a:fld>
             <a:endParaRPr lang="en-US" dirty="0"/>
           </a:p>
@@ -1000,7 +1007,7 @@
           <a:p>
             <a:fld id="{2ABF2E0D-8FC3-4CF0-8797-0E826E18844E}" type="datetime1">
               <a:rPr lang="en-US" smtClean="0"/>
-              <a:t>9/21/2014</a:t>
+              <a:t>9/23/2014</a:t>
             </a:fld>
             <a:endParaRPr lang="en-US" dirty="0"/>
           </a:p>
@@ -1189,7 +1196,7 @@
           <a:p>
             <a:fld id="{572F251E-31E2-4115-AD40-8E4F6A12A520}" type="datetime1">
               <a:rPr lang="en-US" smtClean="0"/>
-              <a:t>9/21/2014</a:t>
+              <a:t>9/23/2014</a:t>
             </a:fld>
             <a:endParaRPr lang="en-US" dirty="0"/>
           </a:p>
@@ -1452,7 +1459,7 @@
           <a:p>
             <a:fld id="{E0BF4FC3-E1FD-45E1-A0CB-A5ABAE8435F6}" type="datetime1">
               <a:rPr lang="en-US" smtClean="0"/>
-              <a:t>9/21/2014</a:t>
+              <a:t>9/23/2014</a:t>
             </a:fld>
             <a:endParaRPr lang="en-US" dirty="0"/>
           </a:p>
@@ -1779,7 +1786,7 @@
           <a:p>
             <a:fld id="{6A75A7F2-4E23-4BBB-80C8-3EDE8768DE7F}" type="datetime1">
               <a:rPr lang="en-US" smtClean="0"/>
-              <a:t>9/21/2014</a:t>
+              <a:t>9/23/2014</a:t>
             </a:fld>
             <a:endParaRPr lang="en-US" dirty="0"/>
           </a:p>
@@ -2384,7 +2391,7 @@
           <a:p>
             <a:fld id="{F5101FA3-E22B-4271-9BB0-87E01A530C79}" type="datetime1">
               <a:rPr lang="en-US" smtClean="0"/>
-              <a:t>9/21/2014</a:t>
+              <a:t>9/23/2014</a:t>
             </a:fld>
             <a:endParaRPr lang="en-US" dirty="0"/>
           </a:p>
@@ -3226,7 +3233,7 @@
           <a:p>
             <a:fld id="{9EF42E26-150D-4BC8-B038-5CA7665C59A2}" type="datetime1">
               <a:rPr lang="en-US" smtClean="0"/>
-              <a:t>9/21/2014</a:t>
+              <a:t>9/23/2014</a:t>
             </a:fld>
             <a:endParaRPr lang="en-US" dirty="0"/>
           </a:p>
@@ -3391,7 +3398,7 @@
           <a:p>
             <a:fld id="{B42F070D-9732-436D-BE8A-6DFEE87FE964}" type="datetime1">
               <a:rPr lang="en-US" smtClean="0"/>
-              <a:t>9/21/2014</a:t>
+              <a:t>9/23/2014</a:t>
             </a:fld>
             <a:endParaRPr lang="en-US" dirty="0"/>
           </a:p>
@@ -3566,7 +3573,7 @@
           <a:p>
             <a:fld id="{461EF092-733F-43F7-91CE-5763825A40F8}" type="datetime1">
               <a:rPr lang="en-US" smtClean="0"/>
-              <a:t>9/21/2014</a:t>
+              <a:t>9/23/2014</a:t>
             </a:fld>
             <a:endParaRPr lang="en-US" dirty="0"/>
           </a:p>
@@ -3731,7 +3738,7 @@
           <a:p>
             <a:fld id="{5521A351-4189-43B9-8059-D12780A41BE8}" type="datetime1">
               <a:rPr lang="en-US" smtClean="0"/>
-              <a:t>9/21/2014</a:t>
+              <a:t>9/23/2014</a:t>
             </a:fld>
             <a:endParaRPr lang="en-US" dirty="0"/>
           </a:p>
@@ -3970,7 +3977,7 @@
           <a:p>
             <a:fld id="{827588B8-D1FF-469A-801E-ABA99AEE8531}" type="datetime1">
               <a:rPr lang="en-US" smtClean="0"/>
-              <a:t>9/21/2014</a:t>
+              <a:t>9/23/2014</a:t>
             </a:fld>
             <a:endParaRPr lang="en-US" dirty="0"/>
           </a:p>
@@ -4257,7 +4264,7 @@
           <a:p>
             <a:fld id="{F4933113-C09E-4A88-8997-8EA9A90EC17E}" type="datetime1">
               <a:rPr lang="en-US" smtClean="0"/>
-              <a:t>9/21/2014</a:t>
+              <a:t>9/23/2014</a:t>
             </a:fld>
             <a:endParaRPr lang="en-US" dirty="0"/>
           </a:p>
@@ -4690,7 +4697,7 @@
           <a:p>
             <a:fld id="{ABBC1442-CA0A-4367-9AFB-E34BF97A06D6}" type="datetime1">
               <a:rPr lang="en-US" smtClean="0"/>
-              <a:t>9/21/2014</a:t>
+              <a:t>9/23/2014</a:t>
             </a:fld>
             <a:endParaRPr lang="en-US" dirty="0"/>
           </a:p>
@@ -4803,7 +4810,7 @@
           <a:p>
             <a:fld id="{15445DA9-47BE-4756-A408-D78E05C348B3}" type="datetime1">
               <a:rPr lang="en-US" smtClean="0"/>
-              <a:t>9/21/2014</a:t>
+              <a:t>9/23/2014</a:t>
             </a:fld>
             <a:endParaRPr lang="en-US" dirty="0"/>
           </a:p>
@@ -4893,7 +4900,7 @@
           <a:p>
             <a:fld id="{B4D4FB98-C662-4B49-BF54-90823A68EAE5}" type="datetime1">
               <a:rPr lang="en-US" smtClean="0"/>
-              <a:t>9/21/2014</a:t>
+              <a:t>9/23/2014</a:t>
             </a:fld>
             <a:endParaRPr lang="en-US" dirty="0"/>
           </a:p>
@@ -5167,7 +5174,7 @@
           <a:p>
             <a:fld id="{DCFADE32-5D6E-4E72-B3D3-9F3E2D10468A}" type="datetime1">
               <a:rPr lang="en-US" smtClean="0"/>
-              <a:t>9/21/2014</a:t>
+              <a:t>9/23/2014</a:t>
             </a:fld>
             <a:endParaRPr lang="en-US" dirty="0"/>
           </a:p>
@@ -5437,7 +5444,7 @@
           <a:p>
             <a:fld id="{E1BD6667-AA23-4D44-B066-70FD7D73F8A9}" type="datetime1">
               <a:rPr lang="en-US" smtClean="0"/>
-              <a:t>9/21/2014</a:t>
+              <a:t>9/23/2014</a:t>
             </a:fld>
             <a:endParaRPr lang="en-US" dirty="0"/>
           </a:p>
@@ -5861,7 +5868,7 @@
           <a:p>
             <a:fld id="{CDC516DF-C1B1-4A8C-BB5F-7B66ED550EA6}" type="datetime1">
               <a:rPr lang="en-US" smtClean="0"/>
-              <a:t>9/21/2014</a:t>
+              <a:t>9/23/2014</a:t>
             </a:fld>
             <a:endParaRPr lang="en-US" dirty="0"/>
           </a:p>
@@ -6803,6 +6810,220 @@
       </p:par>
     </p:tnLst>
   </p:timing>
+</p:sld>
+</file>
+
+<file path=ppt/slides/slide5.xml><?xml version="1.0" encoding="utf-8"?>
+<p:sld xmlns:a="http://schemas.openxmlformats.org/drawingml/2006/main" xmlns:r="http://schemas.openxmlformats.org/officeDocument/2006/relationships" xmlns:p="http://schemas.openxmlformats.org/presentationml/2006/main">
+  <p:cSld>
+    <p:spTree>
+      <p:nvGrpSpPr>
+        <p:cNvPr id="1" name=""/>
+        <p:cNvGrpSpPr/>
+        <p:nvPr/>
+      </p:nvGrpSpPr>
+      <p:grpSpPr>
+        <a:xfrm>
+          <a:off x="0" y="0"/>
+          <a:ext cx="0" cy="0"/>
+          <a:chOff x="0" y="0"/>
+          <a:chExt cx="0" cy="0"/>
+        </a:xfrm>
+      </p:grpSpPr>
+      <p:sp>
+        <p:nvSpPr>
+          <p:cNvPr id="2" name="Title 1"/>
+          <p:cNvSpPr>
+            <a:spLocks noGrp="1"/>
+          </p:cNvSpPr>
+          <p:nvPr>
+            <p:ph type="title"/>
+          </p:nvPr>
+        </p:nvSpPr>
+        <p:spPr/>
+        <p:txBody>
+          <a:bodyPr/>
+          <a:lstStyle/>
+          <a:p>
+            <a:r>
+              <a:rPr lang="en-US" dirty="0" smtClean="0"/>
+              <a:t>Design A</a:t>
+            </a:r>
+            <a:r>
+              <a:rPr lang="en-US" smtClean="0"/>
+              <a:t>: Rev 1</a:t>
+            </a:r>
+            <a:endParaRPr lang="en-US" dirty="0"/>
+          </a:p>
+        </p:txBody>
+      </p:sp>
+      <p:pic>
+        <p:nvPicPr>
+          <p:cNvPr id="5" name="Content Placeholder 4"/>
+          <p:cNvPicPr>
+            <a:picLocks noGrp="1" noChangeAspect="1"/>
+          </p:cNvPicPr>
+          <p:nvPr>
+            <p:ph idx="1"/>
+          </p:nvPr>
+        </p:nvPicPr>
+        <p:blipFill>
+          <a:blip r:embed="rId2">
+            <a:extLst>
+              <a:ext uri="{28A0092B-C50C-407E-A947-70E740481C1C}">
+                <a14:useLocalDpi xmlns:a14="http://schemas.microsoft.com/office/drawing/2010/main" val="0"/>
+              </a:ext>
+            </a:extLst>
+          </a:blip>
+          <a:stretch>
+            <a:fillRect/>
+          </a:stretch>
+        </p:blipFill>
+        <p:spPr>
+          <a:xfrm rot="5400000">
+            <a:off x="2980463" y="677783"/>
+            <a:ext cx="4736017" cy="6555947"/>
+          </a:xfrm>
+        </p:spPr>
+      </p:pic>
+      <p:sp>
+        <p:nvSpPr>
+          <p:cNvPr id="4" name="Slide Number Placeholder 3"/>
+          <p:cNvSpPr>
+            <a:spLocks noGrp="1"/>
+          </p:cNvSpPr>
+          <p:nvPr>
+            <p:ph type="sldNum" sz="quarter" idx="12"/>
+          </p:nvPr>
+        </p:nvSpPr>
+        <p:spPr/>
+        <p:txBody>
+          <a:bodyPr/>
+          <a:lstStyle/>
+          <a:p>
+            <a:fld id="{D57F1E4F-1CFF-5643-939E-02111984F565}" type="slidenum">
+              <a:rPr lang="en-US" smtClean="0"/>
+              <a:t>5</a:t>
+            </a:fld>
+            <a:endParaRPr lang="en-US" dirty="0"/>
+          </a:p>
+        </p:txBody>
+      </p:sp>
+    </p:spTree>
+    <p:extLst>
+      <p:ext uri="{BB962C8B-B14F-4D97-AF65-F5344CB8AC3E}">
+        <p14:creationId xmlns:p14="http://schemas.microsoft.com/office/powerpoint/2010/main" val="2211393889"/>
+      </p:ext>
+    </p:extLst>
+  </p:cSld>
+  <p:clrMapOvr>
+    <a:masterClrMapping/>
+  </p:clrMapOvr>
+</p:sld>
+</file>
+
+<file path=ppt/slides/slide6.xml><?xml version="1.0" encoding="utf-8"?>
+<p:sld xmlns:a="http://schemas.openxmlformats.org/drawingml/2006/main" xmlns:r="http://schemas.openxmlformats.org/officeDocument/2006/relationships" xmlns:p="http://schemas.openxmlformats.org/presentationml/2006/main">
+  <p:cSld>
+    <p:spTree>
+      <p:nvGrpSpPr>
+        <p:cNvPr id="1" name=""/>
+        <p:cNvGrpSpPr/>
+        <p:nvPr/>
+      </p:nvGrpSpPr>
+      <p:grpSpPr>
+        <a:xfrm>
+          <a:off x="0" y="0"/>
+          <a:ext cx="0" cy="0"/>
+          <a:chOff x="0" y="0"/>
+          <a:chExt cx="0" cy="0"/>
+        </a:xfrm>
+      </p:grpSpPr>
+      <p:sp>
+        <p:nvSpPr>
+          <p:cNvPr id="2" name="Title 1"/>
+          <p:cNvSpPr>
+            <a:spLocks noGrp="1"/>
+          </p:cNvSpPr>
+          <p:nvPr>
+            <p:ph type="title"/>
+          </p:nvPr>
+        </p:nvSpPr>
+        <p:spPr/>
+        <p:txBody>
+          <a:bodyPr/>
+          <a:lstStyle/>
+          <a:p>
+            <a:r>
+              <a:rPr lang="en-US" dirty="0" smtClean="0"/>
+              <a:t>Design B: Rev 1</a:t>
+            </a:r>
+            <a:endParaRPr lang="en-US" dirty="0"/>
+          </a:p>
+        </p:txBody>
+      </p:sp>
+      <p:pic>
+        <p:nvPicPr>
+          <p:cNvPr id="5" name="Content Placeholder 4"/>
+          <p:cNvPicPr>
+            <a:picLocks noGrp="1" noChangeAspect="1"/>
+          </p:cNvPicPr>
+          <p:nvPr>
+            <p:ph idx="1"/>
+          </p:nvPr>
+        </p:nvPicPr>
+        <p:blipFill>
+          <a:blip r:embed="rId2">
+            <a:extLst>
+              <a:ext uri="{28A0092B-C50C-407E-A947-70E740481C1C}">
+                <a14:useLocalDpi xmlns:a14="http://schemas.microsoft.com/office/drawing/2010/main" val="0"/>
+              </a:ext>
+            </a:extLst>
+          </a:blip>
+          <a:stretch>
+            <a:fillRect/>
+          </a:stretch>
+        </p:blipFill>
+        <p:spPr>
+          <a:xfrm rot="5400000">
+            <a:off x="3110317" y="1055930"/>
+            <a:ext cx="4476308" cy="6196439"/>
+          </a:xfrm>
+        </p:spPr>
+      </p:pic>
+      <p:sp>
+        <p:nvSpPr>
+          <p:cNvPr id="4" name="Slide Number Placeholder 3"/>
+          <p:cNvSpPr>
+            <a:spLocks noGrp="1"/>
+          </p:cNvSpPr>
+          <p:nvPr>
+            <p:ph type="sldNum" sz="quarter" idx="12"/>
+          </p:nvPr>
+        </p:nvSpPr>
+        <p:spPr/>
+        <p:txBody>
+          <a:bodyPr/>
+          <a:lstStyle/>
+          <a:p>
+            <a:fld id="{D57F1E4F-1CFF-5643-939E-02111984F565}" type="slidenum">
+              <a:rPr lang="en-US" smtClean="0"/>
+              <a:t>6</a:t>
+            </a:fld>
+            <a:endParaRPr lang="en-US" dirty="0"/>
+          </a:p>
+        </p:txBody>
+      </p:sp>
+    </p:spTree>
+    <p:extLst>
+      <p:ext uri="{BB962C8B-B14F-4D97-AF65-F5344CB8AC3E}">
+        <p14:creationId xmlns:p14="http://schemas.microsoft.com/office/powerpoint/2010/main" val="2468890373"/>
+      </p:ext>
+    </p:extLst>
+  </p:cSld>
+  <p:clrMapOvr>
+    <a:masterClrMapping/>
+  </p:clrMapOvr>
 </p:sld>
 </file>
 
